--- a/gallery/Flappy Bird Game - Code Overview.pptx
+++ b/gallery/Flappy Bird Game - Code Overview.pptx
@@ -116,14 +116,6 @@
     </a:lvl9pPr>
   </p:defaultTextStyle>
 </p:presentation>
-</file>
-
-<file path=ppt/revisionInfo.xml><?xml version="1.0" encoding="utf-8"?>
-<p1510:revInfo xmlns:a="http://schemas.openxmlformats.org/drawingml/2006/main" xmlns:r="http://schemas.openxmlformats.org/officeDocument/2006/relationships" xmlns:p1510="http://schemas.microsoft.com/office/powerpoint/2015/10/main">
-  <p1510:revLst>
-    <p1510:client id="{77F6786C-DE98-4D98-85B0-BB24A7F5A1AE}" v="27" dt="2023-12-13T18:50:14.362"/>
-  </p1510:revLst>
-</p1510:revInfo>
 </file>
 
 <file path=ppt/slideLayouts/slideLayout1.xml><?xml version="1.0" encoding="utf-8"?>
@@ -5965,6 +5957,9 @@
   <p:clrMapOvr>
     <a:masterClrMapping/>
   </p:clrMapOvr>
+  <p:transition spd="slow">
+    <p:push dir="u"/>
+  </p:transition>
 </p:sld>
 </file>
 
@@ -6505,6 +6500,18 @@
   <p:clrMapOvr>
     <a:masterClrMapping/>
   </p:clrMapOvr>
+  <mc:AlternateContent xmlns:mc="http://schemas.openxmlformats.org/markup-compatibility/2006">
+    <mc:Choice xmlns:p14="http://schemas.microsoft.com/office/powerpoint/2010/main" Requires="p14">
+      <p:transition spd="slow" p14:dur="800">
+        <p14:flythrough/>
+      </p:transition>
+    </mc:Choice>
+    <mc:Fallback>
+      <p:transition spd="slow">
+        <p:fade/>
+      </p:transition>
+    </mc:Fallback>
+  </mc:AlternateContent>
 </p:sld>
 </file>
 
@@ -6666,6 +6673,18 @@
   <p:clrMapOvr>
     <a:masterClrMapping/>
   </p:clrMapOvr>
+  <mc:AlternateContent xmlns:mc="http://schemas.openxmlformats.org/markup-compatibility/2006">
+    <mc:Choice xmlns:p14="http://schemas.microsoft.com/office/powerpoint/2010/main" Requires="p14">
+      <p:transition spd="med" p14:dur="700">
+        <p:fade/>
+      </p:transition>
+    </mc:Choice>
+    <mc:Fallback>
+      <p:transition spd="med">
+        <p:fade/>
+      </p:transition>
+    </mc:Fallback>
+  </mc:AlternateContent>
 </p:sld>
 </file>
 
@@ -6809,6 +6828,18 @@
   <p:clrMapOvr>
     <a:masterClrMapping/>
   </p:clrMapOvr>
+  <mc:AlternateContent xmlns:mc="http://schemas.openxmlformats.org/markup-compatibility/2006">
+    <mc:Choice xmlns:p14="http://schemas.microsoft.com/office/powerpoint/2010/main" Requires="p14">
+      <p:transition spd="slow" p14:dur="1500">
+        <p:split orient="vert"/>
+      </p:transition>
+    </mc:Choice>
+    <mc:Fallback>
+      <p:transition spd="slow">
+        <p:split orient="vert"/>
+      </p:transition>
+    </mc:Fallback>
+  </mc:AlternateContent>
 </p:sld>
 </file>
 
@@ -6918,6 +6949,9 @@
   <p:clrMapOvr>
     <a:masterClrMapping/>
   </p:clrMapOvr>
+  <p:transition spd="slow">
+    <p:randomBar dir="vert"/>
+  </p:transition>
 </p:sld>
 </file>
 
@@ -7064,6 +7098,18 @@
   <p:clrMapOvr>
     <a:masterClrMapping/>
   </p:clrMapOvr>
+  <mc:AlternateContent xmlns:mc="http://schemas.openxmlformats.org/markup-compatibility/2006">
+    <mc:Choice xmlns:p14="http://schemas.microsoft.com/office/powerpoint/2010/main" Requires="p14">
+      <p:transition spd="slow" p14:dur="800">
+        <p:circle/>
+      </p:transition>
+    </mc:Choice>
+    <mc:Fallback>
+      <p:transition spd="slow">
+        <p:circle/>
+      </p:transition>
+    </mc:Fallback>
+  </mc:AlternateContent>
 </p:sld>
 </file>
 
@@ -7728,6 +7774,18 @@
   <p:clrMapOvr>
     <a:masterClrMapping/>
   </p:clrMapOvr>
+  <mc:AlternateContent xmlns:mc="http://schemas.openxmlformats.org/markup-compatibility/2006">
+    <mc:Choice xmlns:p14="http://schemas.microsoft.com/office/powerpoint/2010/main" Requires="p14">
+      <p:transition spd="slow">
+        <p14:flash/>
+      </p:transition>
+    </mc:Choice>
+    <mc:Fallback>
+      <p:transition spd="slow">
+        <p:fade/>
+      </p:transition>
+    </mc:Fallback>
+  </mc:AlternateContent>
 </p:sld>
 </file>
 
@@ -7965,6 +8023,18 @@
   <p:clrMapOvr>
     <a:masterClrMapping/>
   </p:clrMapOvr>
+  <mc:AlternateContent xmlns:mc="http://schemas.openxmlformats.org/markup-compatibility/2006">
+    <mc:Choice xmlns:p14="http://schemas.microsoft.com/office/powerpoint/2010/main" Requires="p14">
+      <p:transition spd="slow" p14:dur="1500">
+        <p:split orient="vert"/>
+      </p:transition>
+    </mc:Choice>
+    <mc:Fallback>
+      <p:transition spd="slow">
+        <p:split orient="vert"/>
+      </p:transition>
+    </mc:Fallback>
+  </mc:AlternateContent>
 </p:sld>
 </file>
 
@@ -8124,6 +8194,18 @@
   <p:clrMapOvr>
     <a:masterClrMapping/>
   </p:clrMapOvr>
+  <mc:AlternateContent xmlns:mc="http://schemas.openxmlformats.org/markup-compatibility/2006">
+    <mc:Choice xmlns:p14="http://schemas.microsoft.com/office/powerpoint/2010/main" Requires="p14">
+      <p:transition spd="slow" p14:dur="1600">
+        <p14:gallery dir="l"/>
+      </p:transition>
+    </mc:Choice>
+    <mc:Fallback>
+      <p:transition spd="slow">
+        <p:fade/>
+      </p:transition>
+    </mc:Fallback>
+  </mc:AlternateContent>
 </p:sld>
 </file>
 
@@ -8314,6 +8396,18 @@
   <p:clrMapOvr>
     <a:masterClrMapping/>
   </p:clrMapOvr>
+  <mc:AlternateContent xmlns:mc="http://schemas.openxmlformats.org/markup-compatibility/2006">
+    <mc:Choice xmlns:p14="http://schemas.microsoft.com/office/powerpoint/2010/main" Requires="p14">
+      <p:transition spd="slow" p14:dur="1600">
+        <p14:prism isInverted="1"/>
+      </p:transition>
+    </mc:Choice>
+    <mc:Fallback>
+      <p:transition spd="slow">
+        <p:fade/>
+      </p:transition>
+    </mc:Fallback>
+  </mc:AlternateContent>
 </p:sld>
 </file>
 
